--- a/我對你的愛永不變.pptx
+++ b/我對你的愛永不變.pptx
@@ -8,7 +8,7 @@
     <p:sldId id="257" r:id="rId2"/>
     <p:sldId id="258" r:id="rId3"/>
   </p:sldIdLst>
-  <p:sldSz cx="9144000" cy="6858000" type="screen4x3"/>
+  <p:sldSz cx="12192000" cy="6858000"/>
   <p:notesSz cx="6858000" cy="9144000"/>
   <p:defaultTextStyle>
     <a:defPPr>
@@ -105,6 +105,22 @@
       </a:defRPr>
     </a:lvl9pPr>
   </p:defaultTextStyle>
+  <p:extLst>
+    <p:ext uri="{EFAFB233-063F-42B5-8137-9DF3F51BA10A}">
+      <p15:sldGuideLst xmlns:p15="http://schemas.microsoft.com/office/powerpoint/2012/main">
+        <p15:guide id="1" orient="horz" pos="2160" userDrawn="1">
+          <p15:clr>
+            <a:srgbClr val="A4A3A4"/>
+          </p15:clr>
+        </p15:guide>
+        <p15:guide id="2" pos="3840" userDrawn="1">
+          <p15:clr>
+            <a:srgbClr val="A4A3A4"/>
+          </p15:clr>
+        </p15:guide>
+      </p15:sldGuideLst>
+    </p:ext>
+  </p:extLst>
 </p:presentation>
 </file>
 
@@ -137,8 +153,8 @@
         </p:nvSpPr>
         <p:spPr>
           <a:xfrm>
-            <a:off x="685800" y="2130425"/>
-            <a:ext cx="7772400" cy="1470025"/>
+            <a:off x="914400" y="2130426"/>
+            <a:ext cx="10363200" cy="1470025"/>
           </a:xfrm>
         </p:spPr>
         <p:txBody>
@@ -165,8 +181,8 @@
         </p:nvSpPr>
         <p:spPr>
           <a:xfrm>
-            <a:off x="1371600" y="3886200"/>
-            <a:ext cx="6400800" cy="1752600"/>
+            <a:off x="1828800" y="3886200"/>
+            <a:ext cx="8534400" cy="1752600"/>
           </a:xfrm>
         </p:spPr>
         <p:txBody>
@@ -290,7 +306,7 @@
             <a:fld id="{34984126-158D-41CC-83FE-CADDC65CCDDB}" type="datetimeFigureOut">
               <a:rPr lang="zh-TW" altLang="en-US" smtClean="0"/>
               <a:pPr/>
-              <a:t>2018/8/11</a:t>
+              <a:t>2020/7/18</a:t>
             </a:fld>
             <a:endParaRPr lang="zh-TW" altLang="en-US"/>
           </a:p>
@@ -457,7 +473,7 @@
             <a:fld id="{34984126-158D-41CC-83FE-CADDC65CCDDB}" type="datetimeFigureOut">
               <a:rPr lang="zh-TW" altLang="en-US" smtClean="0"/>
               <a:pPr/>
-              <a:t>2018/8/11</a:t>
+              <a:t>2020/7/18</a:t>
             </a:fld>
             <a:endParaRPr lang="zh-TW" altLang="en-US"/>
           </a:p>
@@ -543,8 +559,8 @@
         </p:nvSpPr>
         <p:spPr>
           <a:xfrm>
-            <a:off x="6629400" y="274638"/>
-            <a:ext cx="2057400" cy="5851525"/>
+            <a:off x="8839200" y="274639"/>
+            <a:ext cx="2743200" cy="5851525"/>
           </a:xfrm>
         </p:spPr>
         <p:txBody>
@@ -571,8 +587,8 @@
         </p:nvSpPr>
         <p:spPr>
           <a:xfrm>
-            <a:off x="457200" y="274638"/>
-            <a:ext cx="6019800" cy="5851525"/>
+            <a:off x="609600" y="274639"/>
+            <a:ext cx="8026400" cy="5851525"/>
           </a:xfrm>
         </p:spPr>
         <p:txBody>
@@ -634,7 +650,7 @@
             <a:fld id="{34984126-158D-41CC-83FE-CADDC65CCDDB}" type="datetimeFigureOut">
               <a:rPr lang="zh-TW" altLang="en-US" smtClean="0"/>
               <a:pPr/>
-              <a:t>2018/8/11</a:t>
+              <a:t>2020/7/18</a:t>
             </a:fld>
             <a:endParaRPr lang="zh-TW" altLang="en-US"/>
           </a:p>
@@ -801,7 +817,7 @@
             <a:fld id="{34984126-158D-41CC-83FE-CADDC65CCDDB}" type="datetimeFigureOut">
               <a:rPr lang="zh-TW" altLang="en-US" smtClean="0"/>
               <a:pPr/>
-              <a:t>2018/8/11</a:t>
+              <a:t>2020/7/18</a:t>
             </a:fld>
             <a:endParaRPr lang="zh-TW" altLang="en-US"/>
           </a:p>
@@ -887,8 +903,8 @@
         </p:nvSpPr>
         <p:spPr>
           <a:xfrm>
-            <a:off x="722313" y="4406900"/>
-            <a:ext cx="7772400" cy="1362075"/>
+            <a:off x="963084" y="4406901"/>
+            <a:ext cx="10363200" cy="1362075"/>
           </a:xfrm>
         </p:spPr>
         <p:txBody>
@@ -919,8 +935,8 @@
         </p:nvSpPr>
         <p:spPr>
           <a:xfrm>
-            <a:off x="722313" y="2906713"/>
-            <a:ext cx="7772400" cy="1500187"/>
+            <a:off x="963084" y="2906713"/>
+            <a:ext cx="10363200" cy="1500187"/>
           </a:xfrm>
         </p:spPr>
         <p:txBody>
@@ -1044,7 +1060,7 @@
             <a:fld id="{34984126-158D-41CC-83FE-CADDC65CCDDB}" type="datetimeFigureOut">
               <a:rPr lang="zh-TW" altLang="en-US" smtClean="0"/>
               <a:pPr/>
-              <a:t>2018/8/11</a:t>
+              <a:t>2020/7/18</a:t>
             </a:fld>
             <a:endParaRPr lang="zh-TW" altLang="en-US"/>
           </a:p>
@@ -1153,8 +1169,8 @@
         </p:nvSpPr>
         <p:spPr>
           <a:xfrm>
-            <a:off x="457200" y="1600200"/>
-            <a:ext cx="4038600" cy="4525963"/>
+            <a:off x="609600" y="1600201"/>
+            <a:ext cx="5384800" cy="4525963"/>
           </a:xfrm>
         </p:spPr>
         <p:txBody>
@@ -1238,8 +1254,8 @@
         </p:nvSpPr>
         <p:spPr>
           <a:xfrm>
-            <a:off x="4648200" y="1600200"/>
-            <a:ext cx="4038600" cy="4525963"/>
+            <a:off x="6197600" y="1600201"/>
+            <a:ext cx="5384800" cy="4525963"/>
           </a:xfrm>
         </p:spPr>
         <p:txBody>
@@ -1329,7 +1345,7 @@
             <a:fld id="{34984126-158D-41CC-83FE-CADDC65CCDDB}" type="datetimeFigureOut">
               <a:rPr lang="zh-TW" altLang="en-US" smtClean="0"/>
               <a:pPr/>
-              <a:t>2018/8/11</a:t>
+              <a:t>2020/7/18</a:t>
             </a:fld>
             <a:endParaRPr lang="zh-TW" altLang="en-US"/>
           </a:p>
@@ -1442,8 +1458,8 @@
         </p:nvSpPr>
         <p:spPr>
           <a:xfrm>
-            <a:off x="457200" y="1535113"/>
-            <a:ext cx="4040188" cy="639762"/>
+            <a:off x="609600" y="1535113"/>
+            <a:ext cx="5386917" cy="639762"/>
           </a:xfrm>
         </p:spPr>
         <p:txBody>
@@ -1507,8 +1523,8 @@
         </p:nvSpPr>
         <p:spPr>
           <a:xfrm>
-            <a:off x="457200" y="2174875"/>
-            <a:ext cx="4040188" cy="3951288"/>
+            <a:off x="609600" y="2174875"/>
+            <a:ext cx="5386917" cy="3951288"/>
           </a:xfrm>
         </p:spPr>
         <p:txBody>
@@ -1592,8 +1608,8 @@
         </p:nvSpPr>
         <p:spPr>
           <a:xfrm>
-            <a:off x="4645025" y="1535113"/>
-            <a:ext cx="4041775" cy="639762"/>
+            <a:off x="6193368" y="1535113"/>
+            <a:ext cx="5389033" cy="639762"/>
           </a:xfrm>
         </p:spPr>
         <p:txBody>
@@ -1657,8 +1673,8 @@
         </p:nvSpPr>
         <p:spPr>
           <a:xfrm>
-            <a:off x="4645025" y="2174875"/>
-            <a:ext cx="4041775" cy="3951288"/>
+            <a:off x="6193368" y="2174875"/>
+            <a:ext cx="5389033" cy="3951288"/>
           </a:xfrm>
         </p:spPr>
         <p:txBody>
@@ -1748,7 +1764,7 @@
             <a:fld id="{34984126-158D-41CC-83FE-CADDC65CCDDB}" type="datetimeFigureOut">
               <a:rPr lang="zh-TW" altLang="en-US" smtClean="0"/>
               <a:pPr/>
-              <a:t>2018/8/11</a:t>
+              <a:t>2020/7/18</a:t>
             </a:fld>
             <a:endParaRPr lang="zh-TW" altLang="en-US"/>
           </a:p>
@@ -1863,7 +1879,7 @@
             <a:fld id="{34984126-158D-41CC-83FE-CADDC65CCDDB}" type="datetimeFigureOut">
               <a:rPr lang="zh-TW" altLang="en-US" smtClean="0"/>
               <a:pPr/>
-              <a:t>2018/8/11</a:t>
+              <a:t>2020/7/18</a:t>
             </a:fld>
             <a:endParaRPr lang="zh-TW" altLang="en-US"/>
           </a:p>
@@ -1955,7 +1971,7 @@
             <a:fld id="{34984126-158D-41CC-83FE-CADDC65CCDDB}" type="datetimeFigureOut">
               <a:rPr lang="zh-TW" altLang="en-US" smtClean="0"/>
               <a:pPr/>
-              <a:t>2018/8/11</a:t>
+              <a:t>2020/7/18</a:t>
             </a:fld>
             <a:endParaRPr lang="zh-TW" altLang="en-US"/>
           </a:p>
@@ -2041,8 +2057,8 @@
         </p:nvSpPr>
         <p:spPr>
           <a:xfrm>
-            <a:off x="457200" y="273050"/>
-            <a:ext cx="3008313" cy="1162050"/>
+            <a:off x="609601" y="273050"/>
+            <a:ext cx="4011084" cy="1162050"/>
           </a:xfrm>
         </p:spPr>
         <p:txBody>
@@ -2073,8 +2089,8 @@
         </p:nvSpPr>
         <p:spPr>
           <a:xfrm>
-            <a:off x="3575050" y="273050"/>
-            <a:ext cx="5111750" cy="5853113"/>
+            <a:off x="4766733" y="273051"/>
+            <a:ext cx="6815667" cy="5853113"/>
           </a:xfrm>
         </p:spPr>
         <p:txBody>
@@ -2158,8 +2174,8 @@
         </p:nvSpPr>
         <p:spPr>
           <a:xfrm>
-            <a:off x="457200" y="1435100"/>
-            <a:ext cx="3008313" cy="4691063"/>
+            <a:off x="609601" y="1435101"/>
+            <a:ext cx="4011084" cy="4691063"/>
           </a:xfrm>
         </p:spPr>
         <p:txBody>
@@ -2229,7 +2245,7 @@
             <a:fld id="{34984126-158D-41CC-83FE-CADDC65CCDDB}" type="datetimeFigureOut">
               <a:rPr lang="zh-TW" altLang="en-US" smtClean="0"/>
               <a:pPr/>
-              <a:t>2018/8/11</a:t>
+              <a:t>2020/7/18</a:t>
             </a:fld>
             <a:endParaRPr lang="zh-TW" altLang="en-US"/>
           </a:p>
@@ -2315,8 +2331,8 @@
         </p:nvSpPr>
         <p:spPr>
           <a:xfrm>
-            <a:off x="1792288" y="4800600"/>
-            <a:ext cx="5486400" cy="566738"/>
+            <a:off x="2389717" y="4800600"/>
+            <a:ext cx="7315200" cy="566738"/>
           </a:xfrm>
         </p:spPr>
         <p:txBody>
@@ -2347,8 +2363,8 @@
         </p:nvSpPr>
         <p:spPr>
           <a:xfrm>
-            <a:off x="1792288" y="612775"/>
-            <a:ext cx="5486400" cy="4114800"/>
+            <a:off x="2389717" y="612775"/>
+            <a:ext cx="7315200" cy="4114800"/>
           </a:xfrm>
         </p:spPr>
         <p:txBody>
@@ -2412,8 +2428,8 @@
         </p:nvSpPr>
         <p:spPr>
           <a:xfrm>
-            <a:off x="1792288" y="5367338"/>
-            <a:ext cx="5486400" cy="804862"/>
+            <a:off x="2389717" y="5367338"/>
+            <a:ext cx="7315200" cy="804862"/>
           </a:xfrm>
         </p:spPr>
         <p:txBody>
@@ -2483,7 +2499,7 @@
             <a:fld id="{34984126-158D-41CC-83FE-CADDC65CCDDB}" type="datetimeFigureOut">
               <a:rPr lang="zh-TW" altLang="en-US" smtClean="0"/>
               <a:pPr/>
-              <a:t>2018/8/11</a:t>
+              <a:t>2020/7/18</a:t>
             </a:fld>
             <a:endParaRPr lang="zh-TW" altLang="en-US"/>
           </a:p>
@@ -2579,8 +2595,8 @@
         </p:nvSpPr>
         <p:spPr>
           <a:xfrm>
-            <a:off x="457200" y="274638"/>
-            <a:ext cx="8229600" cy="1143000"/>
+            <a:off x="609600" y="274638"/>
+            <a:ext cx="10972800" cy="1143000"/>
           </a:xfrm>
           <a:prstGeom prst="rect">
             <a:avLst/>
@@ -2612,8 +2628,8 @@
         </p:nvSpPr>
         <p:spPr>
           <a:xfrm>
-            <a:off x="457200" y="1600200"/>
-            <a:ext cx="8229600" cy="4525963"/>
+            <a:off x="609600" y="1600201"/>
+            <a:ext cx="10972800" cy="4525963"/>
           </a:xfrm>
           <a:prstGeom prst="rect">
             <a:avLst/>
@@ -2674,8 +2690,8 @@
         </p:nvSpPr>
         <p:spPr>
           <a:xfrm>
-            <a:off x="457200" y="6356350"/>
-            <a:ext cx="2133600" cy="365125"/>
+            <a:off x="609600" y="6356351"/>
+            <a:ext cx="2844800" cy="365125"/>
           </a:xfrm>
           <a:prstGeom prst="rect">
             <a:avLst/>
@@ -2698,7 +2714,7 @@
             <a:fld id="{34984126-158D-41CC-83FE-CADDC65CCDDB}" type="datetimeFigureOut">
               <a:rPr lang="zh-TW" altLang="en-US" smtClean="0"/>
               <a:pPr/>
-              <a:t>2018/8/11</a:t>
+              <a:t>2020/7/18</a:t>
             </a:fld>
             <a:endParaRPr lang="zh-TW" altLang="en-US"/>
           </a:p>
@@ -2716,8 +2732,8 @@
         </p:nvSpPr>
         <p:spPr>
           <a:xfrm>
-            <a:off x="3124200" y="6356350"/>
-            <a:ext cx="2895600" cy="365125"/>
+            <a:off x="4165600" y="6356351"/>
+            <a:ext cx="3860800" cy="365125"/>
           </a:xfrm>
           <a:prstGeom prst="rect">
             <a:avLst/>
@@ -2753,8 +2769,8 @@
         </p:nvSpPr>
         <p:spPr>
           <a:xfrm>
-            <a:off x="6553200" y="6356350"/>
-            <a:ext cx="2133600" cy="365125"/>
+            <a:off x="8737600" y="6356351"/>
+            <a:ext cx="2844800" cy="365125"/>
           </a:xfrm>
           <a:prstGeom prst="rect">
             <a:avLst/>
@@ -3081,43 +3097,105 @@
         </p:nvSpPr>
         <p:spPr/>
         <p:txBody>
-          <a:bodyPr/>
-          <a:lstStyle/>
-          <a:p>
-            <a:r>
-              <a:rPr lang="zh-TW" altLang="en-US" b="1" dirty="0">
-                <a:solidFill>
-                  <a:srgbClr val="000066"/>
-                </a:solidFill>
-                <a:latin typeface="微軟正黑體" pitchFamily="34" charset="-120"/>
-                <a:ea typeface="微軟正黑體" pitchFamily="34" charset="-120"/>
-              </a:rPr>
-              <a:t>我對你的愛永不變</a:t>
-            </a:r>
-          </a:p>
-        </p:txBody>
-      </p:sp>
-      <p:sp>
-        <p:nvSpPr>
-          <p:cNvPr id="3" name="內容版面配置區 2"/>
-          <p:cNvSpPr>
-            <a:spLocks noGrp="1"/>
-          </p:cNvSpPr>
-          <p:nvPr>
-            <p:ph idx="1"/>
-          </p:nvPr>
-        </p:nvSpPr>
-        <p:spPr/>
-        <p:txBody>
           <a:bodyPr>
             <a:normAutofit/>
           </a:bodyPr>
           <a:lstStyle/>
           <a:p>
+            <a:r>
+              <a:rPr lang="zh-TW" altLang="en-US" sz="4800" b="1" dirty="0">
+                <a:solidFill>
+                  <a:srgbClr val="000066"/>
+                </a:solidFill>
+                <a:latin typeface="微軟正黑體" pitchFamily="34" charset="-120"/>
+                <a:ea typeface="微軟正黑體" pitchFamily="34" charset="-120"/>
+              </a:rPr>
+              <a:t>我</a:t>
+            </a:r>
+            <a:r>
+              <a:rPr lang="zh-TW" altLang="en-US" sz="4800" b="1" dirty="0" smtClean="0">
+                <a:solidFill>
+                  <a:srgbClr val="000066"/>
+                </a:solidFill>
+                <a:latin typeface="微軟正黑體" pitchFamily="34" charset="-120"/>
+                <a:ea typeface="微軟正黑體" pitchFamily="34" charset="-120"/>
+              </a:rPr>
+              <a:t>對</a:t>
+            </a:r>
+            <a:r>
+              <a:rPr lang="zh-CN" altLang="en-US" sz="4800" b="1" dirty="0" smtClean="0">
+                <a:solidFill>
+                  <a:srgbClr val="000066"/>
+                </a:solidFill>
+                <a:latin typeface="微軟正黑體" pitchFamily="34" charset="-120"/>
+                <a:ea typeface="微軟正黑體" pitchFamily="34" charset="-120"/>
+              </a:rPr>
+              <a:t>袮</a:t>
+            </a:r>
+            <a:r>
+              <a:rPr lang="zh-TW" altLang="en-US" sz="4800" b="1" dirty="0" smtClean="0">
+                <a:solidFill>
+                  <a:srgbClr val="000066"/>
+                </a:solidFill>
+                <a:latin typeface="微軟正黑體" pitchFamily="34" charset="-120"/>
+                <a:ea typeface="微軟正黑體" pitchFamily="34" charset="-120"/>
+              </a:rPr>
+              <a:t>的</a:t>
+            </a:r>
+            <a:r>
+              <a:rPr lang="zh-TW" altLang="en-US" sz="4800" b="1" dirty="0">
+                <a:solidFill>
+                  <a:srgbClr val="000066"/>
+                </a:solidFill>
+                <a:latin typeface="微軟正黑體" pitchFamily="34" charset="-120"/>
+                <a:ea typeface="微軟正黑體" pitchFamily="34" charset="-120"/>
+              </a:rPr>
+              <a:t>愛永不變</a:t>
+            </a:r>
+          </a:p>
+        </p:txBody>
+      </p:sp>
+      <p:sp>
+        <p:nvSpPr>
+          <p:cNvPr id="3" name="內容版面配置區 2"/>
+          <p:cNvSpPr>
+            <a:spLocks noGrp="1"/>
+          </p:cNvSpPr>
+          <p:nvPr>
+            <p:ph idx="1"/>
+          </p:nvPr>
+        </p:nvSpPr>
+        <p:spPr/>
+        <p:txBody>
+          <a:bodyPr>
+            <a:normAutofit/>
+          </a:bodyPr>
+          <a:lstStyle/>
+          <a:p>
             <a:pPr algn="ctr">
               <a:buNone/>
             </a:pPr>
             <a:r>
+              <a:rPr lang="zh-CN" altLang="en-US" sz="5400" b="1" dirty="0">
+                <a:solidFill>
+                  <a:srgbClr val="000066"/>
+                </a:solidFill>
+                <a:latin typeface="微軟正黑體" pitchFamily="34" charset="-120"/>
+                <a:ea typeface="微軟正黑體" pitchFamily="34" charset="-120"/>
+              </a:rPr>
+              <a:t>袮</a:t>
+            </a:r>
+            <a:r>
+              <a:rPr lang="zh-TW" altLang="en-US" sz="5400" b="1" dirty="0" smtClean="0">
+                <a:solidFill>
+                  <a:srgbClr val="000066"/>
+                </a:solidFill>
+                <a:latin typeface="微軟正黑體" pitchFamily="34" charset="-120"/>
+                <a:ea typeface="微軟正黑體" pitchFamily="34" charset="-120"/>
+              </a:rPr>
+              <a:t>開</a:t>
+            </a:r>
+            <a:r>
               <a:rPr lang="zh-TW" altLang="en-US" sz="5400" b="1" dirty="0">
                 <a:solidFill>
                   <a:srgbClr val="000066"/>
@@ -3125,10 +3203,10 @@
                 <a:latin typeface="微軟正黑體" pitchFamily="34" charset="-120"/>
                 <a:ea typeface="微軟正黑體" pitchFamily="34" charset="-120"/>
               </a:rPr>
-              <a:t>你開了我的耳我的</a:t>
-            </a:r>
-            <a:r>
-              <a:rPr lang="zh-TW" altLang="en-US" sz="5400" b="1" dirty="0" smtClean="0">
+              <a:t>了我的耳我的</a:t>
+            </a:r>
+            <a:r>
+              <a:rPr lang="zh-TW" altLang="en-US" sz="5400" b="1" dirty="0">
                 <a:solidFill>
                   <a:srgbClr val="000066"/>
                 </a:solidFill>
@@ -3136,48 +3214,6 @@
                 <a:ea typeface="微軟正黑體" pitchFamily="34" charset="-120"/>
               </a:rPr>
               <a:t>眼</a:t>
-            </a:r>
-            <a:endParaRPr lang="en-US" altLang="zh-TW" sz="5400" b="1" dirty="0" smtClean="0">
-              <a:solidFill>
-                <a:srgbClr val="000066"/>
-              </a:solidFill>
-              <a:latin typeface="微軟正黑體" pitchFamily="34" charset="-120"/>
-              <a:ea typeface="微軟正黑體" pitchFamily="34" charset="-120"/>
-            </a:endParaRPr>
-          </a:p>
-          <a:p>
-            <a:pPr algn="ctr">
-              <a:buNone/>
-            </a:pPr>
-            <a:r>
-              <a:rPr lang="zh-TW" altLang="en-US" sz="5400" b="1" dirty="0" smtClean="0">
-                <a:solidFill>
-                  <a:srgbClr val="000066"/>
-                </a:solidFill>
-                <a:latin typeface="微軟正黑體" pitchFamily="34" charset="-120"/>
-                <a:ea typeface="微軟正黑體" pitchFamily="34" charset="-120"/>
-              </a:rPr>
-              <a:t>我</a:t>
-            </a:r>
-            <a:r>
-              <a:rPr lang="zh-TW" altLang="en-US" sz="5400" b="1" dirty="0">
-                <a:solidFill>
-                  <a:srgbClr val="000066"/>
-                </a:solidFill>
-                <a:latin typeface="微軟正黑體" pitchFamily="34" charset="-120"/>
-                <a:ea typeface="微軟正黑體" pitchFamily="34" charset="-120"/>
-              </a:rPr>
-              <a:t>的嘴將稱頌你到</a:t>
-            </a:r>
-            <a:r>
-              <a:rPr lang="zh-TW" altLang="en-US" sz="5400" b="1" dirty="0" smtClean="0">
-                <a:solidFill>
-                  <a:srgbClr val="000066"/>
-                </a:solidFill>
-                <a:latin typeface="微軟正黑體" pitchFamily="34" charset="-120"/>
-                <a:ea typeface="微軟正黑體" pitchFamily="34" charset="-120"/>
-              </a:rPr>
-              <a:t>永遠</a:t>
             </a:r>
             <a:endParaRPr lang="en-US" altLang="zh-TW" sz="5400" b="1" dirty="0">
               <a:solidFill>
@@ -3192,6 +3228,26 @@
               <a:buNone/>
             </a:pPr>
             <a:r>
+              <a:rPr lang="zh-TW" altLang="en-US" sz="5400" b="1" dirty="0">
+                <a:solidFill>
+                  <a:srgbClr val="000066"/>
+                </a:solidFill>
+                <a:latin typeface="微軟正黑體" pitchFamily="34" charset="-120"/>
+                <a:ea typeface="微軟正黑體" pitchFamily="34" charset="-120"/>
+              </a:rPr>
+              <a:t>我</a:t>
+            </a:r>
+            <a:r>
+              <a:rPr lang="zh-TW" altLang="en-US" sz="5400" b="1" dirty="0">
+                <a:solidFill>
+                  <a:srgbClr val="000066"/>
+                </a:solidFill>
+                <a:latin typeface="微軟正黑體" pitchFamily="34" charset="-120"/>
+                <a:ea typeface="微軟正黑體" pitchFamily="34" charset="-120"/>
+              </a:rPr>
+              <a:t>的嘴將稱</a:t>
+            </a:r>
+            <a:r>
               <a:rPr lang="zh-TW" altLang="en-US" sz="5400" b="1" dirty="0" smtClean="0">
                 <a:solidFill>
                   <a:srgbClr val="000066"/>
@@ -3199,7 +3255,27 @@
                 <a:latin typeface="微軟正黑體" pitchFamily="34" charset="-120"/>
                 <a:ea typeface="微軟正黑體" pitchFamily="34" charset="-120"/>
               </a:rPr>
-              <a:t>你</a:t>
+              <a:t>頌</a:t>
+            </a:r>
+            <a:r>
+              <a:rPr lang="zh-CN" altLang="en-US" sz="5400" b="1" dirty="0">
+                <a:solidFill>
+                  <a:srgbClr val="000066"/>
+                </a:solidFill>
+                <a:latin typeface="微軟正黑體" pitchFamily="34" charset="-120"/>
+                <a:ea typeface="微軟正黑體" pitchFamily="34" charset="-120"/>
+              </a:rPr>
+              <a:t>袮</a:t>
+            </a:r>
+            <a:r>
+              <a:rPr lang="zh-TW" altLang="en-US" sz="5400" b="1" dirty="0" smtClean="0">
+                <a:solidFill>
+                  <a:srgbClr val="000066"/>
+                </a:solidFill>
+                <a:latin typeface="微軟正黑體" pitchFamily="34" charset="-120"/>
+                <a:ea typeface="微軟正黑體" pitchFamily="34" charset="-120"/>
+              </a:rPr>
+              <a:t>到</a:t>
             </a:r>
             <a:r>
               <a:rPr lang="zh-TW" altLang="en-US" sz="5400" b="1" dirty="0">
@@ -3209,19 +3285,9 @@
                 <a:latin typeface="微軟正黑體" pitchFamily="34" charset="-120"/>
                 <a:ea typeface="微軟正黑體" pitchFamily="34" charset="-120"/>
               </a:rPr>
-              <a:t>的意念高過我的</a:t>
-            </a:r>
-            <a:r>
-              <a:rPr lang="zh-TW" altLang="en-US" sz="5400" b="1" dirty="0" smtClean="0">
-                <a:solidFill>
-                  <a:srgbClr val="000066"/>
-                </a:solidFill>
-                <a:latin typeface="微軟正黑體" pitchFamily="34" charset="-120"/>
-                <a:ea typeface="微軟正黑體" pitchFamily="34" charset="-120"/>
-              </a:rPr>
-              <a:t>思想</a:t>
-            </a:r>
-            <a:endParaRPr lang="en-US" altLang="zh-TW" sz="5400" b="1" dirty="0" smtClean="0">
+              <a:t>永遠</a:t>
+            </a:r>
+            <a:endParaRPr lang="en-US" altLang="zh-TW" sz="5400" b="1" dirty="0">
               <a:solidFill>
                 <a:srgbClr val="000066"/>
               </a:solidFill>
@@ -3234,6 +3300,16 @@
               <a:buNone/>
             </a:pPr>
             <a:r>
+              <a:rPr lang="zh-CN" altLang="en-US" sz="5400" b="1" dirty="0">
+                <a:solidFill>
+                  <a:srgbClr val="000066"/>
+                </a:solidFill>
+                <a:latin typeface="微軟正黑體" pitchFamily="34" charset="-120"/>
+                <a:ea typeface="微軟正黑體" pitchFamily="34" charset="-120"/>
+              </a:rPr>
+              <a:t>袮</a:t>
+            </a:r>
+            <a:r>
               <a:rPr lang="zh-TW" altLang="en-US" sz="5400" b="1" dirty="0" smtClean="0">
                 <a:solidFill>
                   <a:srgbClr val="000066"/>
@@ -3241,6 +3317,48 @@
                 <a:latin typeface="微軟正黑體" pitchFamily="34" charset="-120"/>
                 <a:ea typeface="微軟正黑體" pitchFamily="34" charset="-120"/>
               </a:rPr>
+              <a:t>的</a:t>
+            </a:r>
+            <a:r>
+              <a:rPr lang="zh-TW" altLang="en-US" sz="5400" b="1" dirty="0">
+                <a:solidFill>
+                  <a:srgbClr val="000066"/>
+                </a:solidFill>
+                <a:latin typeface="微軟正黑體" pitchFamily="34" charset="-120"/>
+                <a:ea typeface="微軟正黑體" pitchFamily="34" charset="-120"/>
+              </a:rPr>
+              <a:t>意念高過我的</a:t>
+            </a:r>
+            <a:r>
+              <a:rPr lang="zh-TW" altLang="en-US" sz="5400" b="1" dirty="0">
+                <a:solidFill>
+                  <a:srgbClr val="000066"/>
+                </a:solidFill>
+                <a:latin typeface="微軟正黑體" pitchFamily="34" charset="-120"/>
+                <a:ea typeface="微軟正黑體" pitchFamily="34" charset="-120"/>
+              </a:rPr>
+              <a:t>思想</a:t>
+            </a:r>
+            <a:endParaRPr lang="en-US" altLang="zh-TW" sz="5400" b="1" dirty="0">
+              <a:solidFill>
+                <a:srgbClr val="000066"/>
+              </a:solidFill>
+              <a:latin typeface="微軟正黑體" pitchFamily="34" charset="-120"/>
+              <a:ea typeface="微軟正黑體" pitchFamily="34" charset="-120"/>
+            </a:endParaRPr>
+          </a:p>
+          <a:p>
+            <a:pPr algn="ctr">
+              <a:buNone/>
+            </a:pPr>
+            <a:r>
+              <a:rPr lang="zh-TW" altLang="en-US" sz="5400" b="1" dirty="0">
+                <a:solidFill>
+                  <a:srgbClr val="000066"/>
+                </a:solidFill>
+                <a:latin typeface="微軟正黑體" pitchFamily="34" charset="-120"/>
+                <a:ea typeface="微軟正黑體" pitchFamily="34" charset="-120"/>
+              </a:rPr>
               <a:t>如同</a:t>
             </a:r>
             <a:r>
@@ -3254,7 +3372,7 @@
               <a:t>天高過</a:t>
             </a:r>
             <a:r>
-              <a:rPr lang="zh-TW" altLang="en-US" sz="5400" b="1" dirty="0" smtClean="0">
+              <a:rPr lang="zh-TW" altLang="en-US" sz="5400" b="1" dirty="0">
                 <a:solidFill>
                   <a:srgbClr val="000066"/>
                 </a:solidFill>
@@ -3310,39 +3428,81 @@
         </p:nvSpPr>
         <p:spPr/>
         <p:txBody>
-          <a:bodyPr/>
-          <a:lstStyle/>
-          <a:p>
-            <a:r>
-              <a:rPr lang="zh-TW" altLang="en-US" b="1" dirty="0">
-                <a:solidFill>
-                  <a:srgbClr val="000066"/>
-                </a:solidFill>
-                <a:latin typeface="微軟正黑體" pitchFamily="34" charset="-120"/>
-                <a:ea typeface="微軟正黑體" pitchFamily="34" charset="-120"/>
-              </a:rPr>
-              <a:t>我對你的愛永不變</a:t>
-            </a:r>
-          </a:p>
-        </p:txBody>
-      </p:sp>
-      <p:sp>
-        <p:nvSpPr>
-          <p:cNvPr id="3" name="內容版面配置區 2"/>
-          <p:cNvSpPr>
-            <a:spLocks noGrp="1"/>
-          </p:cNvSpPr>
-          <p:nvPr>
-            <p:ph idx="1"/>
-          </p:nvPr>
-        </p:nvSpPr>
-        <p:spPr/>
-        <p:txBody>
           <a:bodyPr>
             <a:normAutofit/>
           </a:bodyPr>
           <a:lstStyle/>
           <a:p>
+            <a:r>
+              <a:rPr lang="zh-TW" altLang="en-US" sz="4800" b="1" dirty="0">
+                <a:solidFill>
+                  <a:srgbClr val="000066"/>
+                </a:solidFill>
+                <a:latin typeface="微軟正黑體" pitchFamily="34" charset="-120"/>
+                <a:ea typeface="微軟正黑體" pitchFamily="34" charset="-120"/>
+              </a:rPr>
+              <a:t>我</a:t>
+            </a:r>
+            <a:r>
+              <a:rPr lang="zh-TW" altLang="en-US" sz="4800" b="1" dirty="0" smtClean="0">
+                <a:solidFill>
+                  <a:srgbClr val="000066"/>
+                </a:solidFill>
+                <a:latin typeface="微軟正黑體" pitchFamily="34" charset="-120"/>
+                <a:ea typeface="微軟正黑體" pitchFamily="34" charset="-120"/>
+              </a:rPr>
+              <a:t>對</a:t>
+            </a:r>
+            <a:r>
+              <a:rPr lang="zh-CN" altLang="en-US" sz="4800" b="1" dirty="0">
+                <a:solidFill>
+                  <a:srgbClr val="000066"/>
+                </a:solidFill>
+                <a:latin typeface="微軟正黑體" pitchFamily="34" charset="-120"/>
+                <a:ea typeface="微軟正黑體" pitchFamily="34" charset="-120"/>
+              </a:rPr>
+              <a:t>袮</a:t>
+            </a:r>
+            <a:r>
+              <a:rPr lang="zh-TW" altLang="en-US" sz="4800" b="1" dirty="0" smtClean="0">
+                <a:solidFill>
+                  <a:srgbClr val="000066"/>
+                </a:solidFill>
+                <a:latin typeface="微軟正黑體" pitchFamily="34" charset="-120"/>
+                <a:ea typeface="微軟正黑體" pitchFamily="34" charset="-120"/>
+              </a:rPr>
+              <a:t>的</a:t>
+            </a:r>
+            <a:r>
+              <a:rPr lang="zh-TW" altLang="en-US" sz="4800" b="1" dirty="0">
+                <a:solidFill>
+                  <a:srgbClr val="000066"/>
+                </a:solidFill>
+                <a:latin typeface="微軟正黑體" pitchFamily="34" charset="-120"/>
+                <a:ea typeface="微軟正黑體" pitchFamily="34" charset="-120"/>
+              </a:rPr>
+              <a:t>愛永不變</a:t>
+            </a:r>
+          </a:p>
+        </p:txBody>
+      </p:sp>
+      <p:sp>
+        <p:nvSpPr>
+          <p:cNvPr id="3" name="內容版面配置區 2"/>
+          <p:cNvSpPr>
+            <a:spLocks noGrp="1"/>
+          </p:cNvSpPr>
+          <p:nvPr>
+            <p:ph idx="1"/>
+          </p:nvPr>
+        </p:nvSpPr>
+        <p:spPr/>
+        <p:txBody>
+          <a:bodyPr>
+            <a:normAutofit/>
+          </a:bodyPr>
+          <a:lstStyle/>
+          <a:p>
             <a:pPr algn="ctr">
               <a:buNone/>
             </a:pPr>
@@ -3354,7 +3514,27 @@
                 <a:latin typeface="微軟正黑體" pitchFamily="34" charset="-120"/>
                 <a:ea typeface="微軟正黑體" pitchFamily="34" charset="-120"/>
               </a:rPr>
-              <a:t>全地都要來讚美你</a:t>
+              <a:t>全地都要來讚</a:t>
+            </a:r>
+            <a:r>
+              <a:rPr lang="zh-TW" altLang="en-US" sz="5400" b="1" dirty="0" smtClean="0">
+                <a:solidFill>
+                  <a:srgbClr val="000066"/>
+                </a:solidFill>
+                <a:latin typeface="微軟正黑體" pitchFamily="34" charset="-120"/>
+                <a:ea typeface="微軟正黑體" pitchFamily="34" charset="-120"/>
+              </a:rPr>
+              <a:t>美</a:t>
+            </a:r>
+            <a:r>
+              <a:rPr lang="zh-CN" altLang="en-US" sz="5400" b="1" dirty="0">
+                <a:solidFill>
+                  <a:srgbClr val="000066"/>
+                </a:solidFill>
+                <a:latin typeface="微軟正黑體" pitchFamily="34" charset="-120"/>
+                <a:ea typeface="微軟正黑體" pitchFamily="34" charset="-120"/>
+              </a:rPr>
+              <a:t>袮</a:t>
             </a:r>
             <a:endParaRPr lang="en-US" altLang="zh-TW" sz="5400" b="1" dirty="0">
               <a:solidFill>
@@ -3376,7 +3556,67 @@
                 <a:latin typeface="微軟正黑體" pitchFamily="34" charset="-120"/>
                 <a:ea typeface="微軟正黑體" pitchFamily="34" charset="-120"/>
               </a:rPr>
-              <a:t>我跪拜你面前稱頌你</a:t>
+              <a:t>我跪</a:t>
+            </a:r>
+            <a:r>
+              <a:rPr lang="zh-TW" altLang="en-US" sz="5400" b="1" dirty="0" smtClean="0">
+                <a:solidFill>
+                  <a:srgbClr val="000066"/>
+                </a:solidFill>
+                <a:latin typeface="微軟正黑體" pitchFamily="34" charset="-120"/>
+                <a:ea typeface="微軟正黑體" pitchFamily="34" charset="-120"/>
+              </a:rPr>
+              <a:t>拜</a:t>
+            </a:r>
+            <a:r>
+              <a:rPr lang="zh-CN" altLang="en-US" sz="5400" b="1" dirty="0">
+                <a:solidFill>
+                  <a:srgbClr val="000066"/>
+                </a:solidFill>
+                <a:latin typeface="微軟正黑體" pitchFamily="34" charset="-120"/>
+                <a:ea typeface="微軟正黑體" pitchFamily="34" charset="-120"/>
+              </a:rPr>
+              <a:t>袮</a:t>
+            </a:r>
+            <a:r>
+              <a:rPr lang="zh-TW" altLang="en-US" sz="5400" b="1" dirty="0" smtClean="0">
+                <a:solidFill>
+                  <a:srgbClr val="000066"/>
+                </a:solidFill>
+                <a:latin typeface="微軟正黑體" pitchFamily="34" charset="-120"/>
+                <a:ea typeface="微軟正黑體" pitchFamily="34" charset="-120"/>
+              </a:rPr>
+              <a:t>面</a:t>
+            </a:r>
+            <a:r>
+              <a:rPr lang="zh-TW" altLang="en-US" sz="5400" b="1" dirty="0">
+                <a:solidFill>
+                  <a:srgbClr val="000066"/>
+                </a:solidFill>
+                <a:latin typeface="微軟正黑體" pitchFamily="34" charset="-120"/>
+                <a:ea typeface="微軟正黑體" pitchFamily="34" charset="-120"/>
+              </a:rPr>
+              <a:t>前稱</a:t>
+            </a:r>
+            <a:r>
+              <a:rPr lang="zh-TW" altLang="en-US" sz="5400" b="1" dirty="0" smtClean="0">
+                <a:solidFill>
+                  <a:srgbClr val="000066"/>
+                </a:solidFill>
+                <a:latin typeface="微軟正黑體" pitchFamily="34" charset="-120"/>
+                <a:ea typeface="微軟正黑體" pitchFamily="34" charset="-120"/>
+              </a:rPr>
+              <a:t>頌</a:t>
+            </a:r>
+            <a:r>
+              <a:rPr lang="zh-CN" altLang="en-US" sz="5400" b="1" dirty="0">
+                <a:solidFill>
+                  <a:srgbClr val="000066"/>
+                </a:solidFill>
+                <a:latin typeface="微軟正黑體" pitchFamily="34" charset="-120"/>
+                <a:ea typeface="微軟正黑體" pitchFamily="34" charset="-120"/>
+              </a:rPr>
+              <a:t>袮</a:t>
             </a:r>
             <a:endParaRPr lang="en-US" altLang="zh-TW" sz="5400" b="1" dirty="0">
               <a:solidFill>
@@ -3420,7 +3660,47 @@
                 <a:latin typeface="微軟正黑體" pitchFamily="34" charset="-120"/>
                 <a:ea typeface="微軟正黑體" pitchFamily="34" charset="-120"/>
               </a:rPr>
-              <a:t>我對你的愛永不變</a:t>
+              <a:t>我</a:t>
+            </a:r>
+            <a:r>
+              <a:rPr lang="zh-TW" altLang="en-US" sz="5400" b="1" dirty="0" smtClean="0">
+                <a:solidFill>
+                  <a:srgbClr val="000066"/>
+                </a:solidFill>
+                <a:latin typeface="微軟正黑體" pitchFamily="34" charset="-120"/>
+                <a:ea typeface="微軟正黑體" pitchFamily="34" charset="-120"/>
+              </a:rPr>
+              <a:t>對</a:t>
+            </a:r>
+            <a:r>
+              <a:rPr lang="zh-CN" altLang="en-US" sz="5400" b="1" dirty="0">
+                <a:solidFill>
+                  <a:srgbClr val="000066"/>
+                </a:solidFill>
+                <a:latin typeface="微軟正黑體" pitchFamily="34" charset="-120"/>
+                <a:ea typeface="微軟正黑體" pitchFamily="34" charset="-120"/>
+              </a:rPr>
+              <a:t>袮</a:t>
+            </a:r>
+            <a:r>
+              <a:rPr lang="zh-TW" altLang="en-US" sz="5400" b="1" dirty="0" smtClean="0">
+                <a:solidFill>
+                  <a:srgbClr val="000066"/>
+                </a:solidFill>
+                <a:latin typeface="微軟正黑體" pitchFamily="34" charset="-120"/>
+                <a:ea typeface="微軟正黑體" pitchFamily="34" charset="-120"/>
+              </a:rPr>
+              <a:t>的</a:t>
+            </a:r>
+            <a:r>
+              <a:rPr lang="zh-TW" altLang="en-US" sz="5400" b="1" dirty="0">
+                <a:solidFill>
+                  <a:srgbClr val="000066"/>
+                </a:solidFill>
+                <a:latin typeface="微軟正黑體" pitchFamily="34" charset="-120"/>
+                <a:ea typeface="微軟正黑體" pitchFamily="34" charset="-120"/>
+              </a:rPr>
+              <a:t>愛永不變</a:t>
             </a:r>
           </a:p>
         </p:txBody>
